--- a/fa16/week 4/Week 4.pptx
+++ b/fa16/week 4/Week 4.pptx
@@ -11,15 +11,15 @@
     <p:sldId id="256" r:id="rId2"/>
     <p:sldId id="257" r:id="rId3"/>
     <p:sldId id="258" r:id="rId4"/>
-    <p:sldId id="259" r:id="rId5"/>
-    <p:sldId id="260" r:id="rId6"/>
+    <p:sldId id="260" r:id="rId5"/>
+    <p:sldId id="259" r:id="rId6"/>
     <p:sldId id="261" r:id="rId7"/>
     <p:sldId id="262" r:id="rId8"/>
     <p:sldId id="263" r:id="rId9"/>
     <p:sldId id="264" r:id="rId10"/>
     <p:sldId id="265" r:id="rId11"/>
-    <p:sldId id="266" r:id="rId12"/>
-    <p:sldId id="267" r:id="rId13"/>
+    <p:sldId id="267" r:id="rId12"/>
+    <p:sldId id="266" r:id="rId13"/>
   </p:sldIdLst>
   <p:sldSz cx="12192000" cy="6858000"/>
   <p:notesSz cx="6858000" cy="9144000"/>
@@ -208,7 +208,7 @@
           <a:p>
             <a:fld id="{3E428A9C-BED2-214A-9F3C-BDEEB899A6F3}" type="datetimeFigureOut">
               <a:rPr lang="en-US" smtClean="0"/>
-              <a:t>9/19/16</a:t>
+              <a:t>9/20/16</a:t>
             </a:fld>
             <a:endParaRPr lang="en-US"/>
           </a:p>
@@ -702,7 +702,7 @@
           <a:p>
             <a:fld id="{860EAE26-380A-4C48-9D3F-79CDDCE7F147}" type="datetimeFigureOut">
               <a:rPr lang="en-US" smtClean="0"/>
-              <a:t>9/19/16</a:t>
+              <a:t>9/20/16</a:t>
             </a:fld>
             <a:endParaRPr lang="en-US"/>
           </a:p>
@@ -820,7 +820,7 @@
           <a:p>
             <a:fld id="{860EAE26-380A-4C48-9D3F-79CDDCE7F147}" type="datetimeFigureOut">
               <a:rPr lang="en-US" smtClean="0"/>
-              <a:t>9/19/16</a:t>
+              <a:t>9/20/16</a:t>
             </a:fld>
             <a:endParaRPr lang="en-US"/>
           </a:p>
@@ -1070,7 +1070,7 @@
           <a:p>
             <a:fld id="{860EAE26-380A-4C48-9D3F-79CDDCE7F147}" type="datetimeFigureOut">
               <a:rPr lang="en-US" smtClean="0"/>
-              <a:t>9/19/16</a:t>
+              <a:t>9/20/16</a:t>
             </a:fld>
             <a:endParaRPr lang="en-US"/>
           </a:p>
@@ -1310,7 +1310,7 @@
           <a:p>
             <a:fld id="{860EAE26-380A-4C48-9D3F-79CDDCE7F147}" type="datetimeFigureOut">
               <a:rPr lang="en-US" smtClean="0"/>
-              <a:t>9/19/16</a:t>
+              <a:t>9/20/16</a:t>
             </a:fld>
             <a:endParaRPr lang="en-US"/>
           </a:p>
@@ -1680,7 +1680,7 @@
           <a:p>
             <a:fld id="{860EAE26-380A-4C48-9D3F-79CDDCE7F147}" type="datetimeFigureOut">
               <a:rPr lang="en-US" smtClean="0"/>
-              <a:t>9/19/16</a:t>
+              <a:t>9/20/16</a:t>
             </a:fld>
             <a:endParaRPr lang="en-US"/>
           </a:p>
@@ -1960,7 +1960,7 @@
           <a:p>
             <a:fld id="{860EAE26-380A-4C48-9D3F-79CDDCE7F147}" type="datetimeFigureOut">
               <a:rPr lang="en-US" smtClean="0"/>
-              <a:t>9/19/16</a:t>
+              <a:t>9/20/16</a:t>
             </a:fld>
             <a:endParaRPr lang="en-US"/>
           </a:p>
@@ -2220,7 +2220,7 @@
           <a:p>
             <a:fld id="{860EAE26-380A-4C48-9D3F-79CDDCE7F147}" type="datetimeFigureOut">
               <a:rPr lang="en-US" smtClean="0"/>
-              <a:t>9/19/16</a:t>
+              <a:t>9/20/16</a:t>
             </a:fld>
             <a:endParaRPr lang="en-US"/>
           </a:p>
@@ -2400,7 +2400,7 @@
           <a:p>
             <a:fld id="{860EAE26-380A-4C48-9D3F-79CDDCE7F147}" type="datetimeFigureOut">
               <a:rPr lang="en-US" smtClean="0"/>
-              <a:t>9/19/16</a:t>
+              <a:t>9/20/16</a:t>
             </a:fld>
             <a:endParaRPr lang="en-US"/>
           </a:p>
@@ -3003,6 +3003,13 @@
   <p:clrMapOvr>
     <a:masterClrMapping/>
   </p:clrMapOvr>
+  <p:timing>
+    <p:tnLst>
+      <p:par>
+        <p:cTn id="1" dur="indefinite" restart="never" nodeType="tmRoot"/>
+      </p:par>
+    </p:tnLst>
+  </p:timing>
 </p:sld>
 </file>
 
@@ -3040,7 +3047,7 @@
           <a:p>
             <a:r>
               <a:rPr lang="en-US" dirty="0" smtClean="0"/>
-              <a:t>Clock Replacement</a:t>
+              <a:t>Most-Recently Used</a:t>
             </a:r>
             <a:endParaRPr lang="en-US" dirty="0"/>
           </a:p>
@@ -3063,19 +3070,7 @@
           <a:p>
             <a:r>
               <a:rPr lang="en-US" dirty="0" smtClean="0"/>
-              <a:t>Approximately LRU but with reference bit.</a:t>
-            </a:r>
-          </a:p>
-          <a:p>
-            <a:endParaRPr lang="en-US" dirty="0"/>
-          </a:p>
-          <a:p>
-            <a:endParaRPr lang="en-US" dirty="0" smtClean="0"/>
-          </a:p>
-          <a:p>
-            <a:r>
-              <a:rPr lang="en-US" dirty="0" smtClean="0"/>
-              <a:t>Turn on reference bit when page is pinned. Turn off when visited by clock if unpinned.</a:t>
+              <a:t>Avoids sequential flooding.</a:t>
             </a:r>
             <a:endParaRPr lang="en-US" dirty="0"/>
           </a:p>
@@ -3084,13 +3079,20 @@
     </p:spTree>
     <p:extLst>
       <p:ext uri="{BB962C8B-B14F-4D97-AF65-F5344CB8AC3E}">
-        <p14:creationId xmlns:p14="http://schemas.microsoft.com/office/powerpoint/2010/main" val="1998325884"/>
+        <p14:creationId xmlns:p14="http://schemas.microsoft.com/office/powerpoint/2010/main" val="1974958552"/>
       </p:ext>
     </p:extLst>
   </p:cSld>
   <p:clrMapOvr>
     <a:masterClrMapping/>
   </p:clrMapOvr>
+  <p:timing>
+    <p:tnLst>
+      <p:par>
+        <p:cTn id="1" dur="indefinite" restart="never" nodeType="tmRoot"/>
+      </p:par>
+    </p:tnLst>
+  </p:timing>
 </p:sld>
 </file>
 
@@ -3128,7 +3130,7 @@
           <a:p>
             <a:r>
               <a:rPr lang="en-US" dirty="0" smtClean="0"/>
-              <a:t>Most-Recently Used</a:t>
+              <a:t>Clock Replacement</a:t>
             </a:r>
             <a:endParaRPr lang="en-US" dirty="0"/>
           </a:p>
@@ -3151,7 +3153,19 @@
           <a:p>
             <a:r>
               <a:rPr lang="en-US" dirty="0" smtClean="0"/>
-              <a:t>Avoids sequential flooding.</a:t>
+              <a:t>Approximately LRU but with reference bit.</a:t>
+            </a:r>
+          </a:p>
+          <a:p>
+            <a:endParaRPr lang="en-US" dirty="0"/>
+          </a:p>
+          <a:p>
+            <a:endParaRPr lang="en-US" dirty="0" smtClean="0"/>
+          </a:p>
+          <a:p>
+            <a:r>
+              <a:rPr lang="en-US" dirty="0" smtClean="0"/>
+              <a:t>Turn on reference bit when page is pinned. Turn off when visited by clock if unpinned.</a:t>
             </a:r>
             <a:endParaRPr lang="en-US" dirty="0"/>
           </a:p>
@@ -3160,13 +3174,20 @@
     </p:spTree>
     <p:extLst>
       <p:ext uri="{BB962C8B-B14F-4D97-AF65-F5344CB8AC3E}">
-        <p14:creationId xmlns:p14="http://schemas.microsoft.com/office/powerpoint/2010/main" val="1974958552"/>
+        <p14:creationId xmlns:p14="http://schemas.microsoft.com/office/powerpoint/2010/main" val="1998325884"/>
       </p:ext>
     </p:extLst>
   </p:cSld>
   <p:clrMapOvr>
     <a:masterClrMapping/>
   </p:clrMapOvr>
+  <p:timing>
+    <p:tnLst>
+      <p:par>
+        <p:cTn id="1" dur="indefinite" restart="never" nodeType="tmRoot"/>
+      </p:par>
+    </p:tnLst>
+  </p:timing>
 </p:sld>
 </file>
 
@@ -3258,6 +3279,13 @@
   <p:clrMapOvr>
     <a:masterClrMapping/>
   </p:clrMapOvr>
+  <p:timing>
+    <p:tnLst>
+      <p:par>
+        <p:cTn id="1" dur="indefinite" restart="never" nodeType="tmRoot"/>
+      </p:par>
+    </p:tnLst>
+  </p:timing>
 </p:sld>
 </file>
 
@@ -3353,6 +3381,13 @@
   <p:clrMapOvr>
     <a:masterClrMapping/>
   </p:clrMapOvr>
+  <p:timing>
+    <p:tnLst>
+      <p:par>
+        <p:cTn id="1" dur="indefinite" restart="never" nodeType="tmRoot"/>
+      </p:par>
+    </p:tnLst>
+  </p:timing>
 </p:sld>
 </file>
 
@@ -3389,144 +3424,163 @@
           <a:lstStyle/>
           <a:p>
             <a:r>
+              <a:rPr lang="en-US" dirty="0" err="1" smtClean="0"/>
+              <a:t>B+Trees</a:t>
+            </a:r>
+            <a:endParaRPr lang="en-US" dirty="0"/>
+          </a:p>
+        </p:txBody>
+      </p:sp>
+      <p:sp>
+        <p:nvSpPr>
+          <p:cNvPr id="3" name="Content Placeholder 2"/>
+          <p:cNvSpPr>
+            <a:spLocks noGrp="1"/>
+          </p:cNvSpPr>
+          <p:nvPr>
+            <p:ph idx="1"/>
+          </p:nvPr>
+        </p:nvSpPr>
+        <p:spPr/>
+        <p:txBody>
+          <a:bodyPr/>
+          <a:lstStyle/>
+          <a:p>
+            <a:r>
               <a:rPr lang="en-US" dirty="0" smtClean="0"/>
-              <a:t>Index Storage Alternatives</a:t>
-            </a:r>
-            <a:endParaRPr lang="en-US" dirty="0"/>
-          </a:p>
-        </p:txBody>
-      </p:sp>
-      <p:sp>
-        <p:nvSpPr>
-          <p:cNvPr id="3" name="Content Placeholder 2"/>
-          <p:cNvSpPr>
-            <a:spLocks noGrp="1"/>
-          </p:cNvSpPr>
-          <p:nvPr>
-            <p:ph idx="1"/>
-          </p:nvPr>
-        </p:nvSpPr>
-        <p:spPr/>
-        <p:txBody>
-          <a:bodyPr/>
-          <a:lstStyle/>
-          <a:p>
+              <a:t>Self-balancing ISAM.</a:t>
+            </a:r>
+          </a:p>
+          <a:p>
+            <a:pPr lvl="1"/>
             <a:r>
               <a:rPr lang="en-US" dirty="0" smtClean="0"/>
-              <a:t>Alternative 1: Record contents stored in index file. </a:t>
-            </a:r>
-          </a:p>
-          <a:p>
-            <a:endParaRPr lang="en-US" dirty="0"/>
+              <a:t>Think splay trees? 2-3-4 Trees?</a:t>
+            </a:r>
           </a:p>
           <a:p>
             <a:r>
               <a:rPr lang="en-US" dirty="0" smtClean="0"/>
-              <a:t>Alternative 2: Index leaf has </a:t>
-            </a:r>
+              <a:t>Self-balancing</a:t>
+            </a:r>
+            <a:r>
+              <a:rPr lang="en-US" dirty="0"/>
+              <a:t> </a:t>
+            </a:r>
+            <a:endParaRPr lang="en-US" dirty="0" smtClean="0"/>
+          </a:p>
+          <a:p>
+            <a:pPr lvl="1"/>
+            <a:r>
+              <a:rPr lang="en-US" dirty="0" smtClean="0"/>
+              <a:t>leaf pages are dynamically allocated </a:t>
+            </a:r>
+          </a:p>
+          <a:p>
+            <a:pPr lvl="1"/>
             <a:r>
               <a:rPr lang="en-US" dirty="0" smtClean="0">
-                <a:latin typeface="Courier New" charset="0"/>
-                <a:ea typeface="Courier New" charset="0"/>
-                <a:cs typeface="Courier New" charset="0"/>
-              </a:rPr>
-              <a:t>{key, </a:t>
+                <a:sym typeface="Wingdings"/>
+              </a:rPr>
+              <a:t>they may not necessarily be in order</a:t>
+            </a:r>
+          </a:p>
+          <a:p>
+            <a:r>
+              <a:rPr lang="en-US" dirty="0" smtClean="0">
+                <a:sym typeface="Wingdings"/>
+              </a:rPr>
+              <a:t>Order </a:t>
+            </a:r>
+            <a:r>
+              <a:rPr lang="en-US" dirty="0" smtClean="0">
+                <a:latin typeface="Courier New" charset="0"/>
+                <a:ea typeface="Courier New" charset="0"/>
+                <a:cs typeface="Courier New" charset="0"/>
+                <a:sym typeface="Wingdings"/>
+              </a:rPr>
+              <a:t>d</a:t>
+            </a:r>
+          </a:p>
+          <a:p>
+            <a:pPr lvl="1"/>
+            <a:r>
+              <a:rPr lang="en-US" dirty="0" smtClean="0">
+                <a:latin typeface="Courier New" charset="0"/>
+                <a:ea typeface="Courier New" charset="0"/>
+                <a:cs typeface="Courier New" charset="0"/>
+                <a:sym typeface="Wingdings"/>
+              </a:rPr>
+              <a:t>d ≤ </a:t>
             </a:r>
             <a:r>
               <a:rPr lang="en-US" dirty="0" err="1" smtClean="0">
                 <a:latin typeface="Courier New" charset="0"/>
                 <a:ea typeface="Courier New" charset="0"/>
                 <a:cs typeface="Courier New" charset="0"/>
-              </a:rPr>
-              <a:t>record_id</a:t>
+                <a:sym typeface="Wingdings"/>
+              </a:rPr>
+              <a:t>num_records</a:t>
             </a:r>
             <a:r>
               <a:rPr lang="en-US" dirty="0" smtClean="0">
                 <a:latin typeface="Courier New" charset="0"/>
                 <a:ea typeface="Courier New" charset="0"/>
                 <a:cs typeface="Courier New" charset="0"/>
-              </a:rPr>
-              <a:t>}</a:t>
-            </a:r>
-            <a:r>
-              <a:rPr lang="en-US" dirty="0" smtClean="0"/>
-              <a:t> pairs.</a:t>
-            </a:r>
-          </a:p>
-          <a:p>
-            <a:endParaRPr lang="en-US" dirty="0"/>
-          </a:p>
-          <a:p>
-            <a:r>
-              <a:rPr lang="en-US" dirty="0"/>
-              <a:t>Alternative </a:t>
-            </a:r>
-            <a:r>
-              <a:rPr lang="en-US" dirty="0" smtClean="0"/>
-              <a:t>3: </a:t>
-            </a:r>
-            <a:r>
-              <a:rPr lang="en-US" dirty="0"/>
-              <a:t>Index leaf has </a:t>
-            </a:r>
+                <a:sym typeface="Wingdings"/>
+              </a:rPr>
+              <a:t> ≤ 2d</a:t>
+            </a:r>
+          </a:p>
+          <a:p>
+            <a:pPr lvl="1"/>
             <a:r>
               <a:rPr lang="en-US" dirty="0">
-                <a:latin typeface="Courier New" charset="0"/>
-                <a:ea typeface="Courier New" charset="0"/>
-                <a:cs typeface="Courier New" charset="0"/>
-              </a:rPr>
-              <a:t>{key, </a:t>
-            </a:r>
+                <a:ea typeface="Courier New" charset="0"/>
+                <a:cs typeface="Courier New" charset="0"/>
+                <a:sym typeface="Wingdings"/>
+              </a:rPr>
+              <a:t>Fan-out: </a:t>
+            </a:r>
+            <a:r>
+              <a:rPr lang="en-US" dirty="0">
+                <a:latin typeface="Courier New" charset="0"/>
+                <a:ea typeface="Courier New" charset="0"/>
+                <a:cs typeface="Courier New" charset="0"/>
+                <a:sym typeface="Wingdings"/>
+              </a:rPr>
+              <a:t>2d + 1</a:t>
+            </a:r>
+          </a:p>
+          <a:p>
             <a:r>
               <a:rPr lang="en-US" dirty="0" smtClean="0">
-                <a:latin typeface="Courier New" charset="0"/>
-                <a:ea typeface="Courier New" charset="0"/>
-                <a:cs typeface="Courier New" charset="0"/>
-              </a:rPr>
-              <a:t>list&lt;</a:t>
-            </a:r>
-            <a:r>
-              <a:rPr lang="en-US" dirty="0" err="1" smtClean="0">
-                <a:latin typeface="Courier New" charset="0"/>
-                <a:ea typeface="Courier New" charset="0"/>
-                <a:cs typeface="Courier New" charset="0"/>
-              </a:rPr>
-              <a:t>record_id</a:t>
-            </a:r>
-            <a:r>
-              <a:rPr lang="en-US" dirty="0" smtClean="0">
-                <a:latin typeface="Courier New" charset="0"/>
-                <a:ea typeface="Courier New" charset="0"/>
-                <a:cs typeface="Courier New" charset="0"/>
-              </a:rPr>
-              <a:t>&gt;}</a:t>
-            </a:r>
-            <a:r>
-              <a:rPr lang="en-US" dirty="0" smtClean="0"/>
-              <a:t> </a:t>
-            </a:r>
-            <a:r>
-              <a:rPr lang="en-US" dirty="0"/>
-              <a:t>pairs</a:t>
-            </a:r>
-            <a:r>
-              <a:rPr lang="en-US" dirty="0" smtClean="0"/>
-              <a:t>.</a:t>
-            </a:r>
-            <a:endParaRPr lang="en-US" dirty="0"/>
+                <a:ea typeface="Courier New" charset="0"/>
+                <a:cs typeface="Courier New" charset="0"/>
+                <a:sym typeface="Wingdings"/>
+              </a:rPr>
+              <a:t>Search is the same as ISAM search</a:t>
+            </a:r>
           </a:p>
         </p:txBody>
       </p:sp>
     </p:spTree>
     <p:extLst>
       <p:ext uri="{BB962C8B-B14F-4D97-AF65-F5344CB8AC3E}">
-        <p14:creationId xmlns:p14="http://schemas.microsoft.com/office/powerpoint/2010/main" val="882516907"/>
+        <p14:creationId xmlns:p14="http://schemas.microsoft.com/office/powerpoint/2010/main" val="809980087"/>
       </p:ext>
     </p:extLst>
   </p:cSld>
   <p:clrMapOvr>
     <a:masterClrMapping/>
   </p:clrMapOvr>
+  <p:timing>
+    <p:tnLst>
+      <p:par>
+        <p:cTn id="1" dur="indefinite" restart="never" nodeType="tmRoot"/>
+      </p:par>
+    </p:tnLst>
+  </p:timing>
 </p:sld>
 </file>
 
@@ -3563,8 +3617,8 @@
           <a:lstStyle/>
           <a:p>
             <a:r>
-              <a:rPr lang="en-US" dirty="0" err="1" smtClean="0"/>
-              <a:t>B+Trees</a:t>
+              <a:rPr lang="en-US" dirty="0" smtClean="0"/>
+              <a:t>Index Storage Alternatives</a:t>
             </a:r>
             <a:endParaRPr lang="en-US" dirty="0"/>
           </a:p>
@@ -3587,132 +3641,127 @@
           <a:p>
             <a:r>
               <a:rPr lang="en-US" dirty="0" smtClean="0"/>
-              <a:t>Self-balancing ISAM.</a:t>
-            </a:r>
-          </a:p>
-          <a:p>
-            <a:pPr lvl="1"/>
+              <a:t>Alternative 1: Record contents stored in index file. </a:t>
+            </a:r>
+          </a:p>
+          <a:p>
+            <a:endParaRPr lang="en-US" dirty="0"/>
+          </a:p>
+          <a:p>
             <a:r>
               <a:rPr lang="en-US" dirty="0" smtClean="0"/>
-              <a:t>Think splay trees? 2-3-4 Trees?</a:t>
-            </a:r>
-          </a:p>
-          <a:p>
+              <a:t>Alternative 2: Index leaf has </a:t>
+            </a:r>
+            <a:r>
+              <a:rPr lang="en-US" dirty="0" smtClean="0">
+                <a:latin typeface="Courier New" charset="0"/>
+                <a:ea typeface="Courier New" charset="0"/>
+                <a:cs typeface="Courier New" charset="0"/>
+              </a:rPr>
+              <a:t>{key, </a:t>
+            </a:r>
+            <a:r>
+              <a:rPr lang="en-US" dirty="0" err="1" smtClean="0">
+                <a:latin typeface="Courier New" charset="0"/>
+                <a:ea typeface="Courier New" charset="0"/>
+                <a:cs typeface="Courier New" charset="0"/>
+              </a:rPr>
+              <a:t>record_id</a:t>
+            </a:r>
+            <a:r>
+              <a:rPr lang="en-US" dirty="0" smtClean="0">
+                <a:latin typeface="Courier New" charset="0"/>
+                <a:ea typeface="Courier New" charset="0"/>
+                <a:cs typeface="Courier New" charset="0"/>
+              </a:rPr>
+              <a:t>}</a:t>
+            </a:r>
             <a:r>
               <a:rPr lang="en-US" dirty="0" smtClean="0"/>
-              <a:t>Self-balancing</a:t>
-            </a:r>
+              <a:t> pairs.</a:t>
+            </a:r>
+          </a:p>
+          <a:p>
+            <a:endParaRPr lang="en-US" dirty="0"/>
+          </a:p>
+          <a:p>
             <a:r>
               <a:rPr lang="en-US" dirty="0"/>
+              <a:t>Alternative </a:t>
+            </a:r>
+            <a:r>
+              <a:rPr lang="en-US" dirty="0" smtClean="0"/>
+              <a:t>3: </a:t>
+            </a:r>
+            <a:r>
+              <a:rPr lang="en-US" dirty="0"/>
+              <a:t>Index leaf has </a:t>
+            </a:r>
+            <a:r>
+              <a:rPr lang="en-US" dirty="0">
+                <a:latin typeface="Courier New" charset="0"/>
+                <a:ea typeface="Courier New" charset="0"/>
+                <a:cs typeface="Courier New" charset="0"/>
+              </a:rPr>
+              <a:t>{key, </a:t>
+            </a:r>
+            <a:r>
+              <a:rPr lang="en-US" dirty="0" smtClean="0">
+                <a:latin typeface="Courier New" charset="0"/>
+                <a:ea typeface="Courier New" charset="0"/>
+                <a:cs typeface="Courier New" charset="0"/>
+              </a:rPr>
+              <a:t>list&lt;</a:t>
+            </a:r>
+            <a:r>
+              <a:rPr lang="en-US" dirty="0" err="1" smtClean="0">
+                <a:latin typeface="Courier New" charset="0"/>
+                <a:ea typeface="Courier New" charset="0"/>
+                <a:cs typeface="Courier New" charset="0"/>
+              </a:rPr>
+              <a:t>record_id</a:t>
+            </a:r>
+            <a:r>
+              <a:rPr lang="en-US" dirty="0" smtClean="0">
+                <a:latin typeface="Courier New" charset="0"/>
+                <a:ea typeface="Courier New" charset="0"/>
+                <a:cs typeface="Courier New" charset="0"/>
+              </a:rPr>
+              <a:t>&gt;}</a:t>
+            </a:r>
+            <a:r>
+              <a:rPr lang="en-US" dirty="0" smtClean="0"/>
               <a:t> </a:t>
             </a:r>
-            <a:endParaRPr lang="en-US" dirty="0" smtClean="0"/>
-          </a:p>
-          <a:p>
-            <a:pPr lvl="1"/>
+            <a:r>
+              <a:rPr lang="en-US" dirty="0"/>
+              <a:t>pairs</a:t>
+            </a:r>
             <a:r>
               <a:rPr lang="en-US" dirty="0" smtClean="0"/>
-              <a:t>leaf pages are dynamically allocated </a:t>
-            </a:r>
-          </a:p>
-          <a:p>
-            <a:pPr lvl="1"/>
-            <a:r>
-              <a:rPr lang="en-US" dirty="0" smtClean="0">
-                <a:sym typeface="Wingdings"/>
-              </a:rPr>
-              <a:t>they may not necessarily be in order</a:t>
-            </a:r>
-          </a:p>
-          <a:p>
-            <a:r>
-              <a:rPr lang="en-US" dirty="0" smtClean="0">
-                <a:sym typeface="Wingdings"/>
-              </a:rPr>
-              <a:t>Order </a:t>
-            </a:r>
-            <a:r>
-              <a:rPr lang="en-US" dirty="0" smtClean="0">
-                <a:latin typeface="Courier New" charset="0"/>
-                <a:ea typeface="Courier New" charset="0"/>
-                <a:cs typeface="Courier New" charset="0"/>
-                <a:sym typeface="Wingdings"/>
-              </a:rPr>
-              <a:t>d</a:t>
-            </a:r>
-          </a:p>
-          <a:p>
-            <a:pPr lvl="1"/>
-            <a:r>
-              <a:rPr lang="en-US" dirty="0" smtClean="0">
-                <a:latin typeface="Courier New" charset="0"/>
-                <a:ea typeface="Courier New" charset="0"/>
-                <a:cs typeface="Courier New" charset="0"/>
-                <a:sym typeface="Wingdings"/>
-              </a:rPr>
-              <a:t>d ≤ </a:t>
-            </a:r>
-            <a:r>
-              <a:rPr lang="en-US" dirty="0" err="1" smtClean="0">
-                <a:latin typeface="Courier New" charset="0"/>
-                <a:ea typeface="Courier New" charset="0"/>
-                <a:cs typeface="Courier New" charset="0"/>
-                <a:sym typeface="Wingdings"/>
-              </a:rPr>
-              <a:t>num_records</a:t>
-            </a:r>
-            <a:r>
-              <a:rPr lang="en-US" dirty="0" smtClean="0">
-                <a:latin typeface="Courier New" charset="0"/>
-                <a:ea typeface="Courier New" charset="0"/>
-                <a:cs typeface="Courier New" charset="0"/>
-                <a:sym typeface="Wingdings"/>
-              </a:rPr>
-              <a:t> ≤ 2d</a:t>
-            </a:r>
-          </a:p>
-          <a:p>
-            <a:pPr lvl="1"/>
-            <a:r>
-              <a:rPr lang="en-US" dirty="0">
-                <a:ea typeface="Courier New" charset="0"/>
-                <a:cs typeface="Courier New" charset="0"/>
-                <a:sym typeface="Wingdings"/>
-              </a:rPr>
-              <a:t>Fan-out: </a:t>
-            </a:r>
-            <a:r>
-              <a:rPr lang="en-US" dirty="0">
-                <a:latin typeface="Courier New" charset="0"/>
-                <a:ea typeface="Courier New" charset="0"/>
-                <a:cs typeface="Courier New" charset="0"/>
-                <a:sym typeface="Wingdings"/>
-              </a:rPr>
-              <a:t>2d + 1</a:t>
-            </a:r>
-          </a:p>
-          <a:p>
-            <a:r>
-              <a:rPr lang="en-US" dirty="0" smtClean="0">
-                <a:ea typeface="Courier New" charset="0"/>
-                <a:cs typeface="Courier New" charset="0"/>
-                <a:sym typeface="Wingdings"/>
-              </a:rPr>
-              <a:t>Search is the same as ISAM search</a:t>
-            </a:r>
+              <a:t>.</a:t>
+            </a:r>
+            <a:endParaRPr lang="en-US" dirty="0"/>
           </a:p>
         </p:txBody>
       </p:sp>
     </p:spTree>
     <p:extLst>
       <p:ext uri="{BB962C8B-B14F-4D97-AF65-F5344CB8AC3E}">
-        <p14:creationId xmlns:p14="http://schemas.microsoft.com/office/powerpoint/2010/main" val="809980087"/>
+        <p14:creationId xmlns:p14="http://schemas.microsoft.com/office/powerpoint/2010/main" val="882516907"/>
       </p:ext>
     </p:extLst>
   </p:cSld>
   <p:clrMapOvr>
     <a:masterClrMapping/>
   </p:clrMapOvr>
+  <p:timing>
+    <p:tnLst>
+      <p:par>
+        <p:cTn id="1" dur="indefinite" restart="never" nodeType="tmRoot"/>
+      </p:par>
+    </p:tnLst>
+  </p:timing>
 </p:sld>
 </file>
 
@@ -4199,6 +4248,13 @@
   <p:clrMapOvr>
     <a:masterClrMapping/>
   </p:clrMapOvr>
+  <p:timing>
+    <p:tnLst>
+      <p:par>
+        <p:cTn id="1" dur="indefinite" restart="never" nodeType="tmRoot"/>
+      </p:par>
+    </p:tnLst>
+  </p:timing>
 </p:sld>
 </file>
 
@@ -4275,6 +4331,13 @@
   <p:clrMapOvr>
     <a:masterClrMapping/>
   </p:clrMapOvr>
+  <p:timing>
+    <p:tnLst>
+      <p:par>
+        <p:cTn id="1" dur="indefinite" restart="never" nodeType="tmRoot"/>
+      </p:par>
+    </p:tnLst>
+  </p:timing>
 </p:sld>
 </file>
 
@@ -4805,6 +4868,13 @@
   <p:clrMapOvr>
     <a:masterClrMapping/>
   </p:clrMapOvr>
+  <p:timing>
+    <p:tnLst>
+      <p:par>
+        <p:cTn id="1" dur="indefinite" restart="never" nodeType="tmRoot"/>
+      </p:par>
+    </p:tnLst>
+  </p:timing>
 </p:sld>
 </file>
 
@@ -4858,6 +4928,13 @@
   <p:clrMapOvr>
     <a:masterClrMapping/>
   </p:clrMapOvr>
+  <p:timing>
+    <p:tnLst>
+      <p:par>
+        <p:cTn id="1" dur="indefinite" restart="never" nodeType="tmRoot"/>
+      </p:par>
+    </p:tnLst>
+  </p:timing>
 </p:sld>
 </file>
 
